--- a/Slides/PH223_Lecture_24.pptx
+++ b/Slides/PH223_Lecture_24.pptx
@@ -163,7 +163,7 @@
   <pc:docChgLst>
     <pc:chgData name="Lines, Todd" userId="afaf7c3a-e8aa-4568-882a-02ad8f9e19b0" providerId="ADAL" clId="{AC88F147-F6A5-4672-89C0-97BF004DB477}"/>
     <pc:docChg chg="undo custSel addSld delSld modSld sldOrd">
-      <pc:chgData name="Lines, Todd" userId="afaf7c3a-e8aa-4568-882a-02ad8f9e19b0" providerId="ADAL" clId="{AC88F147-F6A5-4672-89C0-97BF004DB477}" dt="2023-10-19T18:25:06.496" v="677" actId="1035"/>
+      <pc:chgData name="Lines, Todd" userId="afaf7c3a-e8aa-4568-882a-02ad8f9e19b0" providerId="ADAL" clId="{AC88F147-F6A5-4672-89C0-97BF004DB477}" dt="2023-10-20T16:32:00.879" v="680"/>
       <pc:docMkLst>
         <pc:docMk/>
       </pc:docMkLst>
@@ -526,7 +526,7 @@
         </pc:spChg>
       </pc:sldChg>
       <pc:sldChg chg="addSp delSp modSp new mod">
-        <pc:chgData name="Lines, Todd" userId="afaf7c3a-e8aa-4568-882a-02ad8f9e19b0" providerId="ADAL" clId="{AC88F147-F6A5-4672-89C0-97BF004DB477}" dt="2023-10-19T18:24:36.014" v="638" actId="478"/>
+        <pc:chgData name="Lines, Todd" userId="afaf7c3a-e8aa-4568-882a-02ad8f9e19b0" providerId="ADAL" clId="{AC88F147-F6A5-4672-89C0-97BF004DB477}" dt="2023-10-20T16:31:53.261" v="679" actId="20577"/>
         <pc:sldMkLst>
           <pc:docMk/>
           <pc:sldMk cId="685766200" sldId="1120"/>
@@ -540,7 +540,7 @@
           </ac:spMkLst>
         </pc:spChg>
         <pc:spChg chg="mod">
-          <ac:chgData name="Lines, Todd" userId="afaf7c3a-e8aa-4568-882a-02ad8f9e19b0" providerId="ADAL" clId="{AC88F147-F6A5-4672-89C0-97BF004DB477}" dt="2023-10-19T18:23:20.994" v="619" actId="20577"/>
+          <ac:chgData name="Lines, Todd" userId="afaf7c3a-e8aa-4568-882a-02ad8f9e19b0" providerId="ADAL" clId="{AC88F147-F6A5-4672-89C0-97BF004DB477}" dt="2023-10-20T16:31:53.261" v="679" actId="20577"/>
           <ac:spMkLst>
             <pc:docMk/>
             <pc:sldMk cId="685766200" sldId="1120"/>
@@ -781,13 +781,13 @@
         </pc:cxnChg>
       </pc:sldChg>
       <pc:sldChg chg="delSp modSp add mod">
-        <pc:chgData name="Lines, Todd" userId="afaf7c3a-e8aa-4568-882a-02ad8f9e19b0" providerId="ADAL" clId="{AC88F147-F6A5-4672-89C0-97BF004DB477}" dt="2023-10-19T18:25:06.496" v="677" actId="1035"/>
+        <pc:chgData name="Lines, Todd" userId="afaf7c3a-e8aa-4568-882a-02ad8f9e19b0" providerId="ADAL" clId="{AC88F147-F6A5-4672-89C0-97BF004DB477}" dt="2023-10-20T16:32:00.879" v="680"/>
         <pc:sldMkLst>
           <pc:docMk/>
           <pc:sldMk cId="289759180" sldId="1121"/>
         </pc:sldMkLst>
         <pc:spChg chg="mod">
-          <ac:chgData name="Lines, Todd" userId="afaf7c3a-e8aa-4568-882a-02ad8f9e19b0" providerId="ADAL" clId="{AC88F147-F6A5-4672-89C0-97BF004DB477}" dt="2023-10-19T18:24:04.672" v="633" actId="20577"/>
+          <ac:chgData name="Lines, Todd" userId="afaf7c3a-e8aa-4568-882a-02ad8f9e19b0" providerId="ADAL" clId="{AC88F147-F6A5-4672-89C0-97BF004DB477}" dt="2023-10-20T16:32:00.879" v="680"/>
           <ac:spMkLst>
             <pc:docMk/>
             <pc:sldMk cId="289759180" sldId="1121"/>
@@ -937,7 +937,7 @@
           <a:p>
             <a:fld id="{B354DC73-7CAC-4475-AB23-E7EC06652462}" type="datetimeFigureOut">
               <a:rPr lang="en-US" smtClean="0"/>
-              <a:t>10/19/2023</a:t>
+              <a:t>10/20/2023</a:t>
             </a:fld>
             <a:endParaRPr lang="en-US"/>
           </a:p>
@@ -1552,7 +1552,7 @@
             <a:fld id="{356B76D1-DFA9-404F-A784-0D888C362EB8}" type="datetimeFigureOut">
               <a:rPr lang="en-US" smtClean="0"/>
               <a:pPr/>
-              <a:t>10/19/2023</a:t>
+              <a:t>10/20/2023</a:t>
             </a:fld>
             <a:endParaRPr lang="en-US"/>
           </a:p>
@@ -1717,7 +1717,7 @@
             <a:fld id="{356B76D1-DFA9-404F-A784-0D888C362EB8}" type="datetimeFigureOut">
               <a:rPr lang="en-US" smtClean="0"/>
               <a:pPr/>
-              <a:t>10/19/2023</a:t>
+              <a:t>10/20/2023</a:t>
             </a:fld>
             <a:endParaRPr lang="en-US"/>
           </a:p>
@@ -1892,7 +1892,7 @@
             <a:fld id="{356B76D1-DFA9-404F-A784-0D888C362EB8}" type="datetimeFigureOut">
               <a:rPr lang="en-US" smtClean="0"/>
               <a:pPr/>
-              <a:t>10/19/2023</a:t>
+              <a:t>10/20/2023</a:t>
             </a:fld>
             <a:endParaRPr lang="en-US"/>
           </a:p>
@@ -2284,7 +2284,7 @@
             <a:fld id="{356B76D1-DFA9-404F-A784-0D888C362EB8}" type="datetimeFigureOut">
               <a:rPr lang="en-US" smtClean="0"/>
               <a:pPr/>
-              <a:t>10/19/2023</a:t>
+              <a:t>10/20/2023</a:t>
             </a:fld>
             <a:endParaRPr lang="en-US"/>
           </a:p>
@@ -2526,7 +2526,7 @@
             <a:fld id="{356B76D1-DFA9-404F-A784-0D888C362EB8}" type="datetimeFigureOut">
               <a:rPr lang="en-US" smtClean="0"/>
               <a:pPr/>
-              <a:t>10/19/2023</a:t>
+              <a:t>10/20/2023</a:t>
             </a:fld>
             <a:endParaRPr lang="en-US"/>
           </a:p>
@@ -2808,7 +2808,7 @@
             <a:fld id="{356B76D1-DFA9-404F-A784-0D888C362EB8}" type="datetimeFigureOut">
               <a:rPr lang="en-US" smtClean="0"/>
               <a:pPr/>
-              <a:t>10/19/2023</a:t>
+              <a:t>10/20/2023</a:t>
             </a:fld>
             <a:endParaRPr lang="en-US"/>
           </a:p>
@@ -3224,7 +3224,7 @@
             <a:fld id="{356B76D1-DFA9-404F-A784-0D888C362EB8}" type="datetimeFigureOut">
               <a:rPr lang="en-US" smtClean="0"/>
               <a:pPr/>
-              <a:t>10/19/2023</a:t>
+              <a:t>10/20/2023</a:t>
             </a:fld>
             <a:endParaRPr lang="en-US"/>
           </a:p>
@@ -3338,7 +3338,7 @@
             <a:fld id="{356B76D1-DFA9-404F-A784-0D888C362EB8}" type="datetimeFigureOut">
               <a:rPr lang="en-US" smtClean="0"/>
               <a:pPr/>
-              <a:t>10/19/2023</a:t>
+              <a:t>10/20/2023</a:t>
             </a:fld>
             <a:endParaRPr lang="en-US"/>
           </a:p>
@@ -3430,7 +3430,7 @@
             <a:fld id="{356B76D1-DFA9-404F-A784-0D888C362EB8}" type="datetimeFigureOut">
               <a:rPr lang="en-US" smtClean="0"/>
               <a:pPr/>
-              <a:t>10/19/2023</a:t>
+              <a:t>10/20/2023</a:t>
             </a:fld>
             <a:endParaRPr lang="en-US"/>
           </a:p>
@@ -3702,7 +3702,7 @@
             <a:fld id="{356B76D1-DFA9-404F-A784-0D888C362EB8}" type="datetimeFigureOut">
               <a:rPr lang="en-US" smtClean="0"/>
               <a:pPr/>
-              <a:t>10/19/2023</a:t>
+              <a:t>10/20/2023</a:t>
             </a:fld>
             <a:endParaRPr lang="en-US"/>
           </a:p>
@@ -3951,7 +3951,7 @@
             <a:fld id="{356B76D1-DFA9-404F-A784-0D888C362EB8}" type="datetimeFigureOut">
               <a:rPr lang="en-US" smtClean="0"/>
               <a:pPr/>
-              <a:t>10/19/2023</a:t>
+              <a:t>10/20/2023</a:t>
             </a:fld>
             <a:endParaRPr lang="en-US"/>
           </a:p>
@@ -4159,7 +4159,7 @@
             <a:fld id="{356B76D1-DFA9-404F-A784-0D888C362EB8}" type="datetimeFigureOut">
               <a:rPr lang="en-US" smtClean="0"/>
               <a:pPr/>
-              <a:t>10/19/2023</a:t>
+              <a:t>10/20/2023</a:t>
             </a:fld>
             <a:endParaRPr lang="en-US"/>
           </a:p>
@@ -31985,7 +31985,7 @@
                 </a:pPr>
                 <a:r>
                   <a:rPr lang="en-US" dirty="0"/>
-                  <a:t>N electric field as shown in the figure. What will be the acceleration of q?</a:t>
+                  <a:t>an electric field as shown in the figure. What will be the acceleration of q?</a:t>
                 </a:r>
               </a:p>
               <a:p>
@@ -32210,7 +32210,7 @@
               <a:blipFill>
                 <a:blip r:embed="rId2"/>
                 <a:stretch>
-                  <a:fillRect l="-1926" t="-2830"/>
+                  <a:fillRect l="-1926" t="-2830" r="-2667"/>
                 </a:stretch>
               </a:blipFill>
             </p:spPr>
@@ -33293,8 +33293,12 @@
                   <a:buNone/>
                 </a:pPr>
                 <a:r>
+                  <a:rPr lang="en-US"/>
+                  <a:t>an </a:t>
+                </a:r>
+                <a:r>
                   <a:rPr lang="en-US" dirty="0"/>
-                  <a:t>N electric field as shown in the figure. What will be the acceleration of q?</a:t>
+                  <a:t>electric field as shown in the figure. What will be the acceleration of q?</a:t>
                 </a:r>
               </a:p>
               <a:p>
@@ -33519,7 +33523,7 @@
               <a:blipFill>
                 <a:blip r:embed="rId2"/>
                 <a:stretch>
-                  <a:fillRect l="-1926" t="-2830"/>
+                  <a:fillRect l="-1926" t="-2830" r="-2667"/>
                 </a:stretch>
               </a:blipFill>
             </p:spPr>
@@ -42795,8 +42799,8 @@
           </a:p>
         </p:txBody>
       </p:sp>
-      <mc:AlternateContent xmlns:mc="http://schemas.openxmlformats.org/markup-compatibility/2006">
-        <mc:Choice xmlns:a14="http://schemas.microsoft.com/office/drawing/2010/main" Requires="a14">
+      <mc:AlternateContent xmlns:mc="http://schemas.openxmlformats.org/markup-compatibility/2006" xmlns:a14="http://schemas.microsoft.com/office/drawing/2010/main">
+        <mc:Choice Requires="a14">
           <p:sp>
             <p:nvSpPr>
               <p:cNvPr id="4" name="Content Placeholder 3">
@@ -43061,7 +43065,7 @@
             </p:txBody>
           </p:sp>
         </mc:Choice>
-        <mc:Fallback>
+        <mc:Fallback xmlns="">
           <p:sp>
             <p:nvSpPr>
               <p:cNvPr id="4" name="Content Placeholder 3">
@@ -44307,8 +44311,8 @@
           </a:p>
         </p:txBody>
       </p:sp>
-      <mc:AlternateContent xmlns:mc="http://schemas.openxmlformats.org/markup-compatibility/2006">
-        <mc:Choice xmlns:a14="http://schemas.microsoft.com/office/drawing/2010/main" Requires="a14">
+      <mc:AlternateContent xmlns:mc="http://schemas.openxmlformats.org/markup-compatibility/2006" xmlns:a14="http://schemas.microsoft.com/office/drawing/2010/main">
+        <mc:Choice Requires="a14">
           <p:sp>
             <p:nvSpPr>
               <p:cNvPr id="4" name="Content Placeholder 3">
@@ -44465,7 +44469,7 @@
             </p:txBody>
           </p:sp>
         </mc:Choice>
-        <mc:Fallback>
+        <mc:Fallback xmlns="">
           <p:sp>
             <p:nvSpPr>
               <p:cNvPr id="4" name="Content Placeholder 3">
@@ -45711,8 +45715,8 @@
           </a:p>
         </p:txBody>
       </p:sp>
-      <mc:AlternateContent xmlns:mc="http://schemas.openxmlformats.org/markup-compatibility/2006">
-        <mc:Choice xmlns:a14="http://schemas.microsoft.com/office/drawing/2010/main" Requires="a14">
+      <mc:AlternateContent xmlns:mc="http://schemas.openxmlformats.org/markup-compatibility/2006" xmlns:a14="http://schemas.microsoft.com/office/drawing/2010/main">
+        <mc:Choice Requires="a14">
           <p:sp>
             <p:nvSpPr>
               <p:cNvPr id="4" name="Content Placeholder 3">
@@ -46030,7 +46034,7 @@
             </p:txBody>
           </p:sp>
         </mc:Choice>
-        <mc:Fallback>
+        <mc:Fallback xmlns="">
           <p:sp>
             <p:nvSpPr>
               <p:cNvPr id="4" name="Content Placeholder 3">

--- a/Slides/PH223_Lecture_24.pptx
+++ b/Slides/PH223_Lecture_24.pptx
@@ -153,7 +153,7 @@
 <file path=ppt/revisionInfo.xml><?xml version="1.0" encoding="utf-8"?>
 <p1510:revInfo xmlns:a="http://schemas.openxmlformats.org/drawingml/2006/main" xmlns:r="http://schemas.openxmlformats.org/officeDocument/2006/relationships" xmlns:p1510="http://schemas.microsoft.com/office/powerpoint/2015/10/main">
   <p1510:revLst>
-    <p1510:client id="{AC88F147-F6A5-4672-89C0-97BF004DB477}" v="75" dt="2023-10-19T18:23:55.547"/>
+    <p1510:client id="{C0B73AC6-92AB-4B0F-87E1-F554F812FE9E}" v="18" dt="2024-10-24T16:54:08.330"/>
   </p1510:revLst>
 </p1510:revInfo>
 </file>
@@ -852,6 +852,45 @@
       </pc:sldChg>
     </pc:docChg>
   </pc:docChgLst>
+  <pc:docChgLst>
+    <pc:chgData name="Lines, Todd" userId="afaf7c3a-e8aa-4568-882a-02ad8f9e19b0" providerId="ADAL" clId="{C0B73AC6-92AB-4B0F-87E1-F554F812FE9E}"/>
+    <pc:docChg chg="modSld">
+      <pc:chgData name="Lines, Todd" userId="afaf7c3a-e8aa-4568-882a-02ad8f9e19b0" providerId="ADAL" clId="{C0B73AC6-92AB-4B0F-87E1-F554F812FE9E}" dt="2024-10-24T16:54:08.330" v="21"/>
+      <pc:docMkLst>
+        <pc:docMk/>
+      </pc:docMkLst>
+      <pc:sldChg chg="modSp mod">
+        <pc:chgData name="Lines, Todd" userId="afaf7c3a-e8aa-4568-882a-02ad8f9e19b0" providerId="ADAL" clId="{C0B73AC6-92AB-4B0F-87E1-F554F812FE9E}" dt="2024-10-24T16:53:40.874" v="19" actId="20577"/>
+        <pc:sldMkLst>
+          <pc:docMk/>
+          <pc:sldMk cId="685766200" sldId="1120"/>
+        </pc:sldMkLst>
+        <pc:spChg chg="mod">
+          <ac:chgData name="Lines, Todd" userId="afaf7c3a-e8aa-4568-882a-02ad8f9e19b0" providerId="ADAL" clId="{C0B73AC6-92AB-4B0F-87E1-F554F812FE9E}" dt="2024-10-24T16:53:40.874" v="19" actId="20577"/>
+          <ac:spMkLst>
+            <pc:docMk/>
+            <pc:sldMk cId="685766200" sldId="1120"/>
+            <ac:spMk id="3" creationId="{C111E1D4-8A7A-28E6-D705-5C47254366BB}"/>
+          </ac:spMkLst>
+        </pc:spChg>
+      </pc:sldChg>
+      <pc:sldChg chg="modSp">
+        <pc:chgData name="Lines, Todd" userId="afaf7c3a-e8aa-4568-882a-02ad8f9e19b0" providerId="ADAL" clId="{C0B73AC6-92AB-4B0F-87E1-F554F812FE9E}" dt="2024-10-24T16:54:08.330" v="21"/>
+        <pc:sldMkLst>
+          <pc:docMk/>
+          <pc:sldMk cId="289759180" sldId="1121"/>
+        </pc:sldMkLst>
+        <pc:spChg chg="mod">
+          <ac:chgData name="Lines, Todd" userId="afaf7c3a-e8aa-4568-882a-02ad8f9e19b0" providerId="ADAL" clId="{C0B73AC6-92AB-4B0F-87E1-F554F812FE9E}" dt="2024-10-24T16:54:08.330" v="21"/>
+          <ac:spMkLst>
+            <pc:docMk/>
+            <pc:sldMk cId="289759180" sldId="1121"/>
+            <ac:spMk id="3" creationId="{C111E1D4-8A7A-28E6-D705-5C47254366BB}"/>
+          </ac:spMkLst>
+        </pc:spChg>
+      </pc:sldChg>
+    </pc:docChg>
+  </pc:docChgLst>
 </pc:chgInfo>
 </file>
 
@@ -937,7 +976,7 @@
           <a:p>
             <a:fld id="{B354DC73-7CAC-4475-AB23-E7EC06652462}" type="datetimeFigureOut">
               <a:rPr lang="en-US" smtClean="0"/>
-              <a:t>10/20/2023</a:t>
+              <a:t>10/24/2024</a:t>
             </a:fld>
             <a:endParaRPr lang="en-US"/>
           </a:p>
@@ -1552,7 +1591,7 @@
             <a:fld id="{356B76D1-DFA9-404F-A784-0D888C362EB8}" type="datetimeFigureOut">
               <a:rPr lang="en-US" smtClean="0"/>
               <a:pPr/>
-              <a:t>10/20/2023</a:t>
+              <a:t>10/24/2024</a:t>
             </a:fld>
             <a:endParaRPr lang="en-US"/>
           </a:p>
@@ -1717,7 +1756,7 @@
             <a:fld id="{356B76D1-DFA9-404F-A784-0D888C362EB8}" type="datetimeFigureOut">
               <a:rPr lang="en-US" smtClean="0"/>
               <a:pPr/>
-              <a:t>10/20/2023</a:t>
+              <a:t>10/24/2024</a:t>
             </a:fld>
             <a:endParaRPr lang="en-US"/>
           </a:p>
@@ -1892,7 +1931,7 @@
             <a:fld id="{356B76D1-DFA9-404F-A784-0D888C362EB8}" type="datetimeFigureOut">
               <a:rPr lang="en-US" smtClean="0"/>
               <a:pPr/>
-              <a:t>10/20/2023</a:t>
+              <a:t>10/24/2024</a:t>
             </a:fld>
             <a:endParaRPr lang="en-US"/>
           </a:p>
@@ -2284,7 +2323,7 @@
             <a:fld id="{356B76D1-DFA9-404F-A784-0D888C362EB8}" type="datetimeFigureOut">
               <a:rPr lang="en-US" smtClean="0"/>
               <a:pPr/>
-              <a:t>10/20/2023</a:t>
+              <a:t>10/24/2024</a:t>
             </a:fld>
             <a:endParaRPr lang="en-US"/>
           </a:p>
@@ -2526,7 +2565,7 @@
             <a:fld id="{356B76D1-DFA9-404F-A784-0D888C362EB8}" type="datetimeFigureOut">
               <a:rPr lang="en-US" smtClean="0"/>
               <a:pPr/>
-              <a:t>10/20/2023</a:t>
+              <a:t>10/24/2024</a:t>
             </a:fld>
             <a:endParaRPr lang="en-US"/>
           </a:p>
@@ -2808,7 +2847,7 @@
             <a:fld id="{356B76D1-DFA9-404F-A784-0D888C362EB8}" type="datetimeFigureOut">
               <a:rPr lang="en-US" smtClean="0"/>
               <a:pPr/>
-              <a:t>10/20/2023</a:t>
+              <a:t>10/24/2024</a:t>
             </a:fld>
             <a:endParaRPr lang="en-US"/>
           </a:p>
@@ -3224,7 +3263,7 @@
             <a:fld id="{356B76D1-DFA9-404F-A784-0D888C362EB8}" type="datetimeFigureOut">
               <a:rPr lang="en-US" smtClean="0"/>
               <a:pPr/>
-              <a:t>10/20/2023</a:t>
+              <a:t>10/24/2024</a:t>
             </a:fld>
             <a:endParaRPr lang="en-US"/>
           </a:p>
@@ -3338,7 +3377,7 @@
             <a:fld id="{356B76D1-DFA9-404F-A784-0D888C362EB8}" type="datetimeFigureOut">
               <a:rPr lang="en-US" smtClean="0"/>
               <a:pPr/>
-              <a:t>10/20/2023</a:t>
+              <a:t>10/24/2024</a:t>
             </a:fld>
             <a:endParaRPr lang="en-US"/>
           </a:p>
@@ -3430,7 +3469,7 @@
             <a:fld id="{356B76D1-DFA9-404F-A784-0D888C362EB8}" type="datetimeFigureOut">
               <a:rPr lang="en-US" smtClean="0"/>
               <a:pPr/>
-              <a:t>10/20/2023</a:t>
+              <a:t>10/24/2024</a:t>
             </a:fld>
             <a:endParaRPr lang="en-US"/>
           </a:p>
@@ -3702,7 +3741,7 @@
             <a:fld id="{356B76D1-DFA9-404F-A784-0D888C362EB8}" type="datetimeFigureOut">
               <a:rPr lang="en-US" smtClean="0"/>
               <a:pPr/>
-              <a:t>10/20/2023</a:t>
+              <a:t>10/24/2024</a:t>
             </a:fld>
             <a:endParaRPr lang="en-US"/>
           </a:p>
@@ -3951,7 +3990,7 @@
             <a:fld id="{356B76D1-DFA9-404F-A784-0D888C362EB8}" type="datetimeFigureOut">
               <a:rPr lang="en-US" smtClean="0"/>
               <a:pPr/>
-              <a:t>10/20/2023</a:t>
+              <a:t>10/24/2024</a:t>
             </a:fld>
             <a:endParaRPr lang="en-US"/>
           </a:p>
@@ -4159,7 +4198,7 @@
             <a:fld id="{356B76D1-DFA9-404F-A784-0D888C362EB8}" type="datetimeFigureOut">
               <a:rPr lang="en-US" smtClean="0"/>
               <a:pPr/>
-              <a:t>10/20/2023</a:t>
+              <a:t>10/24/2024</a:t>
             </a:fld>
             <a:endParaRPr lang="en-US"/>
           </a:p>
@@ -32013,7 +32052,7 @@
                           <a:rPr lang="en-US" b="0" i="1" smtClean="0">
                             <a:latin typeface="Cambria Math" panose="02040503050406030204" pitchFamily="18" charset="0"/>
                           </a:rPr>
-                          <m:t>𝑗</m:t>
+                          <m:t>𝑦</m:t>
                         </m:r>
                       </m:e>
                     </m:acc>
@@ -32028,7 +32067,7 @@
                 </a:pPr>
                 <a:r>
                   <a:rPr lang="en-US" dirty="0"/>
-                  <a:t>-g</a:t>
+                  <a:t>-g </a:t>
                 </a:r>
                 <a14:m>
                   <m:oMath xmlns:m="http://schemas.openxmlformats.org/officeDocument/2006/math">
@@ -32046,7 +32085,7 @@
                           <a:rPr lang="en-US" b="0" i="1" smtClean="0">
                             <a:latin typeface="Cambria Math" panose="02040503050406030204" pitchFamily="18" charset="0"/>
                           </a:rPr>
-                          <m:t>𝑗</m:t>
+                          <m:t>𝑦</m:t>
                         </m:r>
                       </m:e>
                     </m:acc>
@@ -32083,7 +32122,7 @@
                           <a:rPr lang="en-US" b="0" i="1" smtClean="0">
                             <a:latin typeface="Cambria Math" panose="02040503050406030204" pitchFamily="18" charset="0"/>
                           </a:rPr>
-                          <m:t>𝑗</m:t>
+                          <m:t>𝑦</m:t>
                         </m:r>
                       </m:e>
                     </m:acc>
@@ -32124,7 +32163,7 @@
                           <a:rPr lang="en-US" b="0" i="1" smtClean="0">
                             <a:latin typeface="Cambria Math" panose="02040503050406030204" pitchFamily="18" charset="0"/>
                           </a:rPr>
-                          <m:t>𝑗</m:t>
+                          <m:t>𝑦</m:t>
                         </m:r>
                       </m:e>
                     </m:acc>
@@ -32157,7 +32196,7 @@
                           <a:rPr lang="en-US" b="0" i="1" smtClean="0">
                             <a:latin typeface="Cambria Math" panose="02040503050406030204" pitchFamily="18" charset="0"/>
                           </a:rPr>
-                          <m:t>𝑖</m:t>
+                          <m:t>𝑥</m:t>
                         </m:r>
                       </m:e>
                     </m:acc>
@@ -33293,12 +33332,8 @@
                   <a:buNone/>
                 </a:pPr>
                 <a:r>
-                  <a:rPr lang="en-US"/>
-                  <a:t>an </a:t>
-                </a:r>
-                <a:r>
                   <a:rPr lang="en-US" dirty="0"/>
-                  <a:t>electric field as shown in the figure. What will be the acceleration of q?</a:t>
+                  <a:t>an electric field as shown in the figure. What will be the acceleration of q?</a:t>
                 </a:r>
               </a:p>
               <a:p>
@@ -33316,17 +33351,17 @@
                       <m:accPr>
                         <m:chr m:val="̂"/>
                         <m:ctrlPr>
-                          <a:rPr lang="en-US" i="1" smtClean="0">
+                          <a:rPr lang="en-US" i="1">
                             <a:latin typeface="Cambria Math" panose="02040503050406030204" pitchFamily="18" charset="0"/>
                           </a:rPr>
                         </m:ctrlPr>
                       </m:accPr>
                       <m:e>
                         <m:r>
-                          <a:rPr lang="en-US" b="0" i="1" smtClean="0">
+                          <a:rPr lang="en-US" i="1">
                             <a:latin typeface="Cambria Math" panose="02040503050406030204" pitchFamily="18" charset="0"/>
                           </a:rPr>
-                          <m:t>𝑗</m:t>
+                          <m:t>𝑦</m:t>
                         </m:r>
                       </m:e>
                     </m:acc>
@@ -33341,7 +33376,7 @@
                 </a:pPr>
                 <a:r>
                   <a:rPr lang="en-US" dirty="0"/>
-                  <a:t>-g</a:t>
+                  <a:t>-g </a:t>
                 </a:r>
                 <a14:m>
                   <m:oMath xmlns:m="http://schemas.openxmlformats.org/officeDocument/2006/math">
@@ -33349,17 +33384,17 @@
                       <m:accPr>
                         <m:chr m:val="̂"/>
                         <m:ctrlPr>
-                          <a:rPr lang="en-US" i="1" smtClean="0">
+                          <a:rPr lang="en-US" i="1">
                             <a:latin typeface="Cambria Math" panose="02040503050406030204" pitchFamily="18" charset="0"/>
                           </a:rPr>
                         </m:ctrlPr>
                       </m:accPr>
                       <m:e>
                         <m:r>
-                          <a:rPr lang="en-US" b="0" i="1" smtClean="0">
+                          <a:rPr lang="en-US" i="1">
                             <a:latin typeface="Cambria Math" panose="02040503050406030204" pitchFamily="18" charset="0"/>
                           </a:rPr>
-                          <m:t>𝑗</m:t>
+                          <m:t>𝑦</m:t>
                         </m:r>
                       </m:e>
                     </m:acc>
@@ -33386,17 +33421,17 @@
                       <m:accPr>
                         <m:chr m:val="̂"/>
                         <m:ctrlPr>
-                          <a:rPr lang="en-US" i="1" smtClean="0">
+                          <a:rPr lang="en-US" i="1">
                             <a:latin typeface="Cambria Math" panose="02040503050406030204" pitchFamily="18" charset="0"/>
                           </a:rPr>
                         </m:ctrlPr>
                       </m:accPr>
                       <m:e>
                         <m:r>
-                          <a:rPr lang="en-US" b="0" i="1" smtClean="0">
+                          <a:rPr lang="en-US" i="1">
                             <a:latin typeface="Cambria Math" panose="02040503050406030204" pitchFamily="18" charset="0"/>
                           </a:rPr>
-                          <m:t>𝑗</m:t>
+                          <m:t>𝑦</m:t>
                         </m:r>
                       </m:e>
                     </m:acc>
@@ -33427,17 +33462,17 @@
                       <m:accPr>
                         <m:chr m:val="̂"/>
                         <m:ctrlPr>
-                          <a:rPr lang="en-US" i="1" smtClean="0">
+                          <a:rPr lang="en-US" i="1">
                             <a:latin typeface="Cambria Math" panose="02040503050406030204" pitchFamily="18" charset="0"/>
                           </a:rPr>
                         </m:ctrlPr>
                       </m:accPr>
                       <m:e>
                         <m:r>
-                          <a:rPr lang="en-US" b="0" i="1" smtClean="0">
+                          <a:rPr lang="en-US" i="1">
                             <a:latin typeface="Cambria Math" panose="02040503050406030204" pitchFamily="18" charset="0"/>
                           </a:rPr>
-                          <m:t>𝑗</m:t>
+                          <m:t>𝑦</m:t>
                         </m:r>
                       </m:e>
                     </m:acc>
@@ -33460,17 +33495,17 @@
                       <m:accPr>
                         <m:chr m:val="̂"/>
                         <m:ctrlPr>
-                          <a:rPr lang="en-US" i="1" smtClean="0">
+                          <a:rPr lang="en-US" i="1">
                             <a:latin typeface="Cambria Math" panose="02040503050406030204" pitchFamily="18" charset="0"/>
                           </a:rPr>
                         </m:ctrlPr>
                       </m:accPr>
                       <m:e>
                         <m:r>
-                          <a:rPr lang="en-US" b="0" i="1" smtClean="0">
+                          <a:rPr lang="en-US" i="1">
                             <a:latin typeface="Cambria Math" panose="02040503050406030204" pitchFamily="18" charset="0"/>
                           </a:rPr>
-                          <m:t>𝑖</m:t>
+                          <m:t>𝑥</m:t>
                         </m:r>
                       </m:e>
                     </m:acc>
